--- a/TDD_시작.pptx
+++ b/TDD_시작.pptx
@@ -5,12 +5,13 @@
     <p:sldMasterId id="2147483648" r:id="rId1"/>
   </p:sldMasterIdLst>
   <p:notesMasterIdLst>
-    <p:notesMasterId r:id="rId5"/>
+    <p:notesMasterId r:id="rId6"/>
   </p:notesMasterIdLst>
   <p:sldIdLst>
     <p:sldId id="256" r:id="rId2"/>
-    <p:sldId id="257" r:id="rId3"/>
-    <p:sldId id="258" r:id="rId4"/>
+    <p:sldId id="259" r:id="rId3"/>
+    <p:sldId id="257" r:id="rId4"/>
+    <p:sldId id="258" r:id="rId5"/>
   </p:sldIdLst>
   <p:sldSz cx="9144000" cy="6858000" type="screen4x3"/>
   <p:notesSz cx="6858000" cy="9144000"/>
@@ -194,7 +195,7 @@
           <a:p>
             <a:fld id="{203DEC4B-C499-4568-A912-4FC67411CE88}" type="datetimeFigureOut">
               <a:rPr lang="ko-KR" altLang="en-US" smtClean="0"/>
-              <a:t>2012-07-25</a:t>
+              <a:t>2012-07-26</a:t>
             </a:fld>
             <a:endParaRPr lang="ko-KR" altLang="en-US"/>
           </a:p>
@@ -527,7 +528,7 @@
           <a:p>
             <a:fld id="{0A6C3CF4-3DD6-4202-AFEF-B3294EAB1954}" type="slidenum">
               <a:rPr lang="ko-KR" altLang="en-US" smtClean="0"/>
-              <a:t>3</a:t>
+              <a:t>4</a:t>
             </a:fld>
             <a:endParaRPr lang="ko-KR" altLang="en-US"/>
           </a:p>
@@ -727,7 +728,7 @@
           <a:p>
             <a:fld id="{FB30EDBD-1C2D-4C1E-B459-B60219FAB484}" type="datetimeFigureOut">
               <a:rPr lang="ko-KR" altLang="en-US" smtClean="0"/>
-              <a:t>2012-07-25</a:t>
+              <a:t>2012-07-26</a:t>
             </a:fld>
             <a:endParaRPr lang="ko-KR" altLang="en-US"/>
           </a:p>
@@ -892,7 +893,7 @@
           <a:p>
             <a:fld id="{FB30EDBD-1C2D-4C1E-B459-B60219FAB484}" type="datetimeFigureOut">
               <a:rPr lang="ko-KR" altLang="en-US" smtClean="0"/>
-              <a:t>2012-07-25</a:t>
+              <a:t>2012-07-26</a:t>
             </a:fld>
             <a:endParaRPr lang="ko-KR" altLang="en-US"/>
           </a:p>
@@ -1067,7 +1068,7 @@
           <a:p>
             <a:fld id="{FB30EDBD-1C2D-4C1E-B459-B60219FAB484}" type="datetimeFigureOut">
               <a:rPr lang="ko-KR" altLang="en-US" smtClean="0"/>
-              <a:t>2012-07-25</a:t>
+              <a:t>2012-07-26</a:t>
             </a:fld>
             <a:endParaRPr lang="ko-KR" altLang="en-US"/>
           </a:p>
@@ -1232,7 +1233,7 @@
           <a:p>
             <a:fld id="{FB30EDBD-1C2D-4C1E-B459-B60219FAB484}" type="datetimeFigureOut">
               <a:rPr lang="ko-KR" altLang="en-US" smtClean="0"/>
-              <a:t>2012-07-25</a:t>
+              <a:t>2012-07-26</a:t>
             </a:fld>
             <a:endParaRPr lang="ko-KR" altLang="en-US"/>
           </a:p>
@@ -1473,7 +1474,7 @@
           <a:p>
             <a:fld id="{FB30EDBD-1C2D-4C1E-B459-B60219FAB484}" type="datetimeFigureOut">
               <a:rPr lang="ko-KR" altLang="en-US" smtClean="0"/>
-              <a:t>2012-07-25</a:t>
+              <a:t>2012-07-26</a:t>
             </a:fld>
             <a:endParaRPr lang="ko-KR" altLang="en-US"/>
           </a:p>
@@ -1756,7 +1757,7 @@
           <a:p>
             <a:fld id="{FB30EDBD-1C2D-4C1E-B459-B60219FAB484}" type="datetimeFigureOut">
               <a:rPr lang="ko-KR" altLang="en-US" smtClean="0"/>
-              <a:t>2012-07-25</a:t>
+              <a:t>2012-07-26</a:t>
             </a:fld>
             <a:endParaRPr lang="ko-KR" altLang="en-US"/>
           </a:p>
@@ -2173,7 +2174,7 @@
           <a:p>
             <a:fld id="{FB30EDBD-1C2D-4C1E-B459-B60219FAB484}" type="datetimeFigureOut">
               <a:rPr lang="ko-KR" altLang="en-US" smtClean="0"/>
-              <a:t>2012-07-25</a:t>
+              <a:t>2012-07-26</a:t>
             </a:fld>
             <a:endParaRPr lang="ko-KR" altLang="en-US"/>
           </a:p>
@@ -2286,7 +2287,7 @@
           <a:p>
             <a:fld id="{FB30EDBD-1C2D-4C1E-B459-B60219FAB484}" type="datetimeFigureOut">
               <a:rPr lang="ko-KR" altLang="en-US" smtClean="0"/>
-              <a:t>2012-07-25</a:t>
+              <a:t>2012-07-26</a:t>
             </a:fld>
             <a:endParaRPr lang="ko-KR" altLang="en-US"/>
           </a:p>
@@ -2376,7 +2377,7 @@
           <a:p>
             <a:fld id="{FB30EDBD-1C2D-4C1E-B459-B60219FAB484}" type="datetimeFigureOut">
               <a:rPr lang="ko-KR" altLang="en-US" smtClean="0"/>
-              <a:t>2012-07-25</a:t>
+              <a:t>2012-07-26</a:t>
             </a:fld>
             <a:endParaRPr lang="ko-KR" altLang="en-US"/>
           </a:p>
@@ -2648,7 +2649,7 @@
           <a:p>
             <a:fld id="{FB30EDBD-1C2D-4C1E-B459-B60219FAB484}" type="datetimeFigureOut">
               <a:rPr lang="ko-KR" altLang="en-US" smtClean="0"/>
-              <a:t>2012-07-25</a:t>
+              <a:t>2012-07-26</a:t>
             </a:fld>
             <a:endParaRPr lang="ko-KR" altLang="en-US"/>
           </a:p>
@@ -2896,7 +2897,7 @@
           <a:p>
             <a:fld id="{FB30EDBD-1C2D-4C1E-B459-B60219FAB484}" type="datetimeFigureOut">
               <a:rPr lang="ko-KR" altLang="en-US" smtClean="0"/>
-              <a:t>2012-07-25</a:t>
+              <a:t>2012-07-26</a:t>
             </a:fld>
             <a:endParaRPr lang="ko-KR" altLang="en-US"/>
           </a:p>
@@ -3104,7 +3105,7 @@
           <a:p>
             <a:fld id="{FB30EDBD-1C2D-4C1E-B459-B60219FAB484}" type="datetimeFigureOut">
               <a:rPr lang="ko-KR" altLang="en-US" smtClean="0"/>
-              <a:t>2012-07-25</a:t>
+              <a:t>2012-07-26</a:t>
             </a:fld>
             <a:endParaRPr lang="ko-KR" altLang="en-US"/>
           </a:p>
@@ -3563,6 +3564,234 @@
           <a:p>
             <a:r>
               <a:rPr lang="ko-KR" altLang="en-US" dirty="0" smtClean="0"/>
+              <a:t>준비작업</a:t>
+            </a:r>
+            <a:endParaRPr lang="ko-KR" altLang="en-US" dirty="0"/>
+          </a:p>
+        </p:txBody>
+      </p:sp>
+      <p:sp>
+        <p:nvSpPr>
+          <p:cNvPr id="3" name="내용 개체 틀 2"/>
+          <p:cNvSpPr>
+            <a:spLocks noGrp="1"/>
+          </p:cNvSpPr>
+          <p:nvPr>
+            <p:ph idx="1"/>
+          </p:nvPr>
+        </p:nvSpPr>
+        <p:spPr/>
+        <p:txBody>
+          <a:bodyPr>
+            <a:normAutofit fontScale="92500" lnSpcReduction="20000"/>
+          </a:bodyPr>
+          <a:lstStyle/>
+          <a:p>
+            <a:r>
+              <a:rPr lang="en-US" altLang="ko-KR" dirty="0" err="1" smtClean="0"/>
+              <a:t>Git</a:t>
+            </a:r>
+            <a:r>
+              <a:rPr lang="en-US" altLang="ko-KR" dirty="0" smtClean="0"/>
+              <a:t> </a:t>
+            </a:r>
+            <a:r>
+              <a:rPr lang="ko-KR" altLang="en-US" dirty="0" smtClean="0"/>
+              <a:t>설치 </a:t>
+            </a:r>
+            <a:r>
+              <a:rPr lang="en-US" altLang="ko-KR" dirty="0" smtClean="0"/>
+              <a:t>: v1.7.11</a:t>
+            </a:r>
+          </a:p>
+          <a:p>
+            <a:pPr lvl="1"/>
+            <a:r>
+              <a:rPr lang="en-US" altLang="ko-KR" dirty="0">
+                <a:hlinkClick r:id="rId2"/>
+              </a:rPr>
+              <a:t>http://</a:t>
+            </a:r>
+            <a:r>
+              <a:rPr lang="en-US" altLang="ko-KR" dirty="0" smtClean="0">
+                <a:hlinkClick r:id="rId2"/>
+              </a:rPr>
+              <a:t>git-scm.com/download/win</a:t>
+            </a:r>
+            <a:endParaRPr lang="en-US" altLang="ko-KR" dirty="0" smtClean="0"/>
+          </a:p>
+          <a:p>
+            <a:pPr lvl="1"/>
+            <a:endParaRPr lang="en-US" altLang="ko-KR" dirty="0" smtClean="0"/>
+          </a:p>
+          <a:p>
+            <a:r>
+              <a:rPr lang="en-US" altLang="ko-KR" dirty="0" err="1" smtClean="0"/>
+              <a:t>Github</a:t>
+            </a:r>
+            <a:r>
+              <a:rPr lang="en-US" altLang="ko-KR" dirty="0" smtClean="0"/>
+              <a:t> </a:t>
+            </a:r>
+            <a:r>
+              <a:rPr lang="ko-KR" altLang="en-US" dirty="0" smtClean="0"/>
+              <a:t>회원가입 후 </a:t>
+            </a:r>
+            <a:r>
+              <a:rPr lang="en-US" altLang="ko-KR" dirty="0" smtClean="0"/>
+              <a:t>repository </a:t>
+            </a:r>
+            <a:r>
+              <a:rPr lang="ko-KR" altLang="en-US" dirty="0" smtClean="0"/>
+              <a:t>생성 </a:t>
+            </a:r>
+            <a:endParaRPr lang="en-US" altLang="ko-KR" dirty="0" smtClean="0"/>
+          </a:p>
+          <a:p>
+            <a:pPr lvl="1"/>
+            <a:r>
+              <a:rPr lang="en-US" altLang="ko-KR" dirty="0">
+                <a:hlinkClick r:id="rId3"/>
+              </a:rPr>
+              <a:t>https://</a:t>
+            </a:r>
+            <a:r>
+              <a:rPr lang="en-US" altLang="ko-KR" dirty="0" smtClean="0">
+                <a:hlinkClick r:id="rId3"/>
+              </a:rPr>
+              <a:t>github.com/icarosss/TDD.git</a:t>
+            </a:r>
+            <a:endParaRPr lang="en-US" altLang="ko-KR" dirty="0" smtClean="0"/>
+          </a:p>
+          <a:p>
+            <a:pPr lvl="1"/>
+            <a:r>
+              <a:rPr lang="en-US" altLang="ko-KR" dirty="0" err="1" smtClean="0">
+                <a:hlinkClick r:id="rId4"/>
+              </a:rPr>
+              <a:t>git@github.com:icarosss</a:t>
+            </a:r>
+            <a:r>
+              <a:rPr lang="en-US" altLang="ko-KR" dirty="0" smtClean="0">
+                <a:hlinkClick r:id="rId4"/>
+              </a:rPr>
+              <a:t>/</a:t>
+            </a:r>
+            <a:r>
+              <a:rPr lang="en-US" altLang="ko-KR" dirty="0" err="1" smtClean="0">
+                <a:hlinkClick r:id="rId4"/>
+              </a:rPr>
+              <a:t>TDD.git</a:t>
+            </a:r>
+            <a:endParaRPr lang="en-US" altLang="ko-KR" dirty="0" smtClean="0"/>
+          </a:p>
+          <a:p>
+            <a:pPr lvl="1"/>
+            <a:r>
+              <a:rPr lang="en-US" altLang="ko-KR" dirty="0" smtClean="0"/>
+              <a:t>Http</a:t>
+            </a:r>
+            <a:r>
+              <a:rPr lang="ko-KR" altLang="en-US" dirty="0" smtClean="0"/>
+              <a:t>는 잘되는데 </a:t>
+            </a:r>
+            <a:r>
+              <a:rPr lang="en-US" altLang="ko-KR" dirty="0" err="1" smtClean="0"/>
+              <a:t>ssh</a:t>
+            </a:r>
+            <a:r>
+              <a:rPr lang="ko-KR" altLang="en-US" dirty="0" smtClean="0"/>
+              <a:t>는 잘 안됨 설정을 확인할 것</a:t>
+            </a:r>
+            <a:r>
+              <a:rPr lang="en-US" altLang="ko-KR" dirty="0" smtClean="0"/>
+              <a:t>.</a:t>
+            </a:r>
+            <a:endParaRPr lang="en-US" altLang="ko-KR" dirty="0"/>
+          </a:p>
+          <a:p>
+            <a:pPr marL="457200" lvl="1" indent="0">
+              <a:buNone/>
+            </a:pPr>
+            <a:endParaRPr lang="en-US" altLang="ko-KR" dirty="0" smtClean="0"/>
+          </a:p>
+          <a:p>
+            <a:r>
+              <a:rPr lang="en-US" altLang="ko-KR" dirty="0" err="1" smtClean="0"/>
+              <a:t>TortoiseGit</a:t>
+            </a:r>
+            <a:r>
+              <a:rPr lang="en-US" altLang="ko-KR" dirty="0" smtClean="0"/>
+              <a:t> </a:t>
+            </a:r>
+            <a:r>
+              <a:rPr lang="ko-KR" altLang="en-US" dirty="0" smtClean="0"/>
+              <a:t>설치 </a:t>
+            </a:r>
+            <a:r>
+              <a:rPr lang="en-US" altLang="ko-KR" dirty="0" smtClean="0"/>
+              <a:t>: v1.7.11.3</a:t>
+            </a:r>
+          </a:p>
+          <a:p>
+            <a:pPr lvl="1"/>
+            <a:r>
+              <a:rPr lang="en-US" altLang="ko-KR" dirty="0">
+                <a:hlinkClick r:id="rId5"/>
+              </a:rPr>
+              <a:t>http://code.google.com/p/tortoisegit/downloads/list</a:t>
+            </a:r>
+            <a:endParaRPr lang="ko-KR" altLang="en-US" dirty="0"/>
+          </a:p>
+        </p:txBody>
+      </p:sp>
+    </p:spTree>
+    <p:extLst>
+      <p:ext uri="{BB962C8B-B14F-4D97-AF65-F5344CB8AC3E}">
+        <p14:creationId xmlns:p14="http://schemas.microsoft.com/office/powerpoint/2010/main" val="2426500027"/>
+      </p:ext>
+    </p:extLst>
+  </p:cSld>
+  <p:clrMapOvr>
+    <a:masterClrMapping/>
+  </p:clrMapOvr>
+</p:sld>
+</file>
+
+<file path=ppt/slides/slide3.xml><?xml version="1.0" encoding="utf-8"?>
+<p:sld xmlns:a="http://schemas.openxmlformats.org/drawingml/2006/main" xmlns:r="http://schemas.openxmlformats.org/officeDocument/2006/relationships" xmlns:p="http://schemas.openxmlformats.org/presentationml/2006/main">
+  <p:cSld>
+    <p:spTree>
+      <p:nvGrpSpPr>
+        <p:cNvPr id="1" name=""/>
+        <p:cNvGrpSpPr/>
+        <p:nvPr/>
+      </p:nvGrpSpPr>
+      <p:grpSpPr>
+        <a:xfrm>
+          <a:off x="0" y="0"/>
+          <a:ext cx="0" cy="0"/>
+          <a:chOff x="0" y="0"/>
+          <a:chExt cx="0" cy="0"/>
+        </a:xfrm>
+      </p:grpSpPr>
+      <p:sp>
+        <p:nvSpPr>
+          <p:cNvPr id="2" name="제목 1"/>
+          <p:cNvSpPr>
+            <a:spLocks noGrp="1"/>
+          </p:cNvSpPr>
+          <p:nvPr>
+            <p:ph type="title"/>
+          </p:nvPr>
+        </p:nvSpPr>
+        <p:spPr/>
+        <p:txBody>
+          <a:bodyPr/>
+          <a:lstStyle/>
+          <a:p>
+            <a:r>
+              <a:rPr lang="ko-KR" altLang="en-US" dirty="0" smtClean="0"/>
               <a:t>준비작</a:t>
             </a:r>
             <a:r>
@@ -3662,7 +3891,7 @@
 </p:sld>
 </file>
 
-<file path=ppt/slides/slide3.xml><?xml version="1.0" encoding="utf-8"?>
+<file path=ppt/slides/slide4.xml><?xml version="1.0" encoding="utf-8"?>
 <p:sld xmlns:a="http://schemas.openxmlformats.org/drawingml/2006/main" xmlns:r="http://schemas.openxmlformats.org/officeDocument/2006/relationships" xmlns:p="http://schemas.openxmlformats.org/presentationml/2006/main">
   <p:cSld>
     <p:spTree>

--- a/TDD_시작.pptx
+++ b/TDD_시작.pptx
@@ -5,13 +5,15 @@
     <p:sldMasterId id="2147483648" r:id="rId1"/>
   </p:sldMasterIdLst>
   <p:notesMasterIdLst>
-    <p:notesMasterId r:id="rId6"/>
+    <p:notesMasterId r:id="rId8"/>
   </p:notesMasterIdLst>
   <p:sldIdLst>
     <p:sldId id="256" r:id="rId2"/>
     <p:sldId id="259" r:id="rId3"/>
-    <p:sldId id="257" r:id="rId4"/>
-    <p:sldId id="258" r:id="rId5"/>
+    <p:sldId id="260" r:id="rId4"/>
+    <p:sldId id="261" r:id="rId5"/>
+    <p:sldId id="257" r:id="rId6"/>
+    <p:sldId id="258" r:id="rId7"/>
   </p:sldIdLst>
   <p:sldSz cx="9144000" cy="6858000" type="screen4x3"/>
   <p:notesSz cx="6858000" cy="9144000"/>
@@ -528,7 +530,7 @@
           <a:p>
             <a:fld id="{0A6C3CF4-3DD6-4202-AFEF-B3294EAB1954}" type="slidenum">
               <a:rPr lang="ko-KR" altLang="en-US" smtClean="0"/>
-              <a:t>4</a:t>
+              <a:t>6</a:t>
             </a:fld>
             <a:endParaRPr lang="ko-KR" altLang="en-US"/>
           </a:p>
@@ -1151,10 +1153,21 @@
             <p:ph type="title"/>
           </p:nvPr>
         </p:nvSpPr>
-        <p:spPr/>
-        <p:txBody>
-          <a:bodyPr/>
-          <a:lstStyle/>
+        <p:spPr>
+          <a:xfrm>
+            <a:off x="457200" y="274638"/>
+            <a:ext cx="8229600" cy="418058"/>
+          </a:xfrm>
+        </p:spPr>
+        <p:txBody>
+          <a:bodyPr>
+            <a:normAutofit/>
+          </a:bodyPr>
+          <a:lstStyle>
+            <a:lvl1pPr>
+              <a:defRPr sz="2400" b="1"/>
+            </a:lvl1pPr>
+          </a:lstStyle>
           <a:p>
             <a:r>
               <a:rPr lang="ko-KR" altLang="en-US" smtClean="0"/>
@@ -1174,45 +1187,68 @@
             <p:ph idx="1"/>
           </p:nvPr>
         </p:nvSpPr>
-        <p:spPr/>
-        <p:txBody>
-          <a:bodyPr/>
-          <a:lstStyle/>
+        <p:spPr>
+          <a:xfrm>
+            <a:off x="457200" y="980728"/>
+            <a:ext cx="8229600" cy="5145435"/>
+          </a:xfrm>
+        </p:spPr>
+        <p:txBody>
+          <a:bodyPr>
+            <a:normAutofit/>
+          </a:bodyPr>
+          <a:lstStyle>
+            <a:lvl1pPr>
+              <a:defRPr sz="1800"/>
+            </a:lvl1pPr>
+            <a:lvl2pPr>
+              <a:defRPr sz="1600"/>
+            </a:lvl2pPr>
+            <a:lvl3pPr>
+              <a:defRPr sz="1400"/>
+            </a:lvl3pPr>
+            <a:lvl4pPr>
+              <a:defRPr sz="1200"/>
+            </a:lvl4pPr>
+            <a:lvl5pPr>
+              <a:defRPr sz="1200"/>
+            </a:lvl5pPr>
+          </a:lstStyle>
           <a:p>
             <a:pPr lvl="0"/>
             <a:r>
-              <a:rPr lang="ko-KR" altLang="en-US" smtClean="0"/>
+              <a:rPr lang="ko-KR" altLang="en-US" dirty="0" smtClean="0"/>
               <a:t>마스터 텍스트 스타일을 편집합니다</a:t>
             </a:r>
           </a:p>
           <a:p>
             <a:pPr lvl="1"/>
             <a:r>
-              <a:rPr lang="ko-KR" altLang="en-US" smtClean="0"/>
+              <a:rPr lang="ko-KR" altLang="en-US" dirty="0" smtClean="0"/>
               <a:t>둘째 수준</a:t>
             </a:r>
           </a:p>
           <a:p>
             <a:pPr lvl="2"/>
             <a:r>
-              <a:rPr lang="ko-KR" altLang="en-US" smtClean="0"/>
+              <a:rPr lang="ko-KR" altLang="en-US" dirty="0" smtClean="0"/>
               <a:t>셋째 수준</a:t>
             </a:r>
           </a:p>
           <a:p>
             <a:pPr lvl="3"/>
             <a:r>
-              <a:rPr lang="ko-KR" altLang="en-US" smtClean="0"/>
+              <a:rPr lang="ko-KR" altLang="en-US" dirty="0" smtClean="0"/>
               <a:t>넷째 수준</a:t>
             </a:r>
           </a:p>
           <a:p>
             <a:pPr lvl="4"/>
             <a:r>
-              <a:rPr lang="ko-KR" altLang="en-US" smtClean="0"/>
+              <a:rPr lang="ko-KR" altLang="en-US" dirty="0" smtClean="0"/>
               <a:t>다섯째 수준</a:t>
             </a:r>
-            <a:endParaRPr lang="ko-KR" altLang="en-US"/>
+            <a:endParaRPr lang="ko-KR" altLang="en-US" dirty="0"/>
           </a:p>
         </p:txBody>
       </p:sp>
@@ -3559,7 +3595,9 @@
         </p:nvSpPr>
         <p:spPr/>
         <p:txBody>
-          <a:bodyPr/>
+          <a:bodyPr>
+            <a:normAutofit fontScale="90000"/>
+          </a:bodyPr>
           <a:lstStyle/>
           <a:p>
             <a:r>
@@ -3583,7 +3621,7 @@
         <p:spPr/>
         <p:txBody>
           <a:bodyPr>
-            <a:normAutofit fontScale="92500" lnSpcReduction="20000"/>
+            <a:normAutofit/>
           </a:bodyPr>
           <a:lstStyle/>
           <a:p>
@@ -3650,10 +3688,16 @@
           <a:p>
             <a:pPr lvl="1"/>
             <a:r>
+              <a:rPr lang="en-US" altLang="ko-KR" dirty="0" smtClean="0">
+                <a:hlinkClick r:id="rId3"/>
+              </a:rPr>
+              <a:t>https</a:t>
+            </a:r>
+            <a:r>
               <a:rPr lang="en-US" altLang="ko-KR" dirty="0">
                 <a:hlinkClick r:id="rId3"/>
               </a:rPr>
-              <a:t>https://</a:t>
+              <a:t>://</a:t>
             </a:r>
             <a:r>
               <a:rPr lang="en-US" altLang="ko-KR" dirty="0" smtClean="0">
@@ -3688,63 +3732,204 @@
           <a:p>
             <a:pPr lvl="1"/>
             <a:r>
-              <a:rPr lang="en-US" altLang="ko-KR" dirty="0" smtClean="0"/>
-              <a:t>Http</a:t>
-            </a:r>
-            <a:r>
-              <a:rPr lang="ko-KR" altLang="en-US" dirty="0" smtClean="0"/>
-              <a:t>는 잘되는데 </a:t>
-            </a:r>
-            <a:r>
               <a:rPr lang="en-US" altLang="ko-KR" dirty="0" err="1" smtClean="0"/>
               <a:t>ssh</a:t>
             </a:r>
             <a:r>
               <a:rPr lang="ko-KR" altLang="en-US" dirty="0" smtClean="0"/>
-              <a:t>는 잘 안됨 설정을 확인할 것</a:t>
+              <a:t>는 안됨 </a:t>
+            </a:r>
+            <a:r>
+              <a:rPr lang="ko-KR" altLang="en-US" dirty="0" err="1" smtClean="0"/>
+              <a:t>설정확인할것</a:t>
             </a:r>
             <a:r>
               <a:rPr lang="en-US" altLang="ko-KR" dirty="0" smtClean="0"/>
               <a:t>.</a:t>
             </a:r>
+            <a:endParaRPr lang="en-US" altLang="ko-KR" dirty="0" smtClean="0"/>
+          </a:p>
+          <a:p>
+            <a:pPr marL="0" indent="0">
+              <a:buNone/>
+            </a:pPr>
             <a:endParaRPr lang="en-US" altLang="ko-KR" dirty="0"/>
           </a:p>
           <a:p>
-            <a:pPr marL="457200" lvl="1" indent="0">
+            <a:pPr marL="57150" indent="0">
               <a:buNone/>
             </a:pPr>
             <a:endParaRPr lang="en-US" altLang="ko-KR" dirty="0" smtClean="0"/>
           </a:p>
           <a:p>
-            <a:r>
-              <a:rPr lang="en-US" altLang="ko-KR" dirty="0" err="1" smtClean="0"/>
-              <a:t>TortoiseGit</a:t>
-            </a:r>
-            <a:r>
-              <a:rPr lang="en-US" altLang="ko-KR" dirty="0" smtClean="0"/>
-              <a:t> </a:t>
-            </a:r>
-            <a:r>
-              <a:rPr lang="ko-KR" altLang="en-US" dirty="0" smtClean="0"/>
-              <a:t>설치 </a:t>
-            </a:r>
-            <a:r>
-              <a:rPr lang="en-US" altLang="ko-KR" dirty="0" smtClean="0"/>
-              <a:t>: v1.7.11.3</a:t>
-            </a:r>
-          </a:p>
-          <a:p>
-            <a:pPr lvl="1"/>
-            <a:r>
-              <a:rPr lang="en-US" altLang="ko-KR" dirty="0">
-                <a:hlinkClick r:id="rId5"/>
-              </a:rPr>
-              <a:t>http://code.google.com/p/tortoisegit/downloads/list</a:t>
-            </a:r>
-            <a:endParaRPr lang="ko-KR" altLang="en-US" dirty="0"/>
-          </a:p>
-        </p:txBody>
-      </p:sp>
+            <a:pPr marL="57150" indent="0">
+              <a:buNone/>
+            </a:pPr>
+            <a:endParaRPr lang="en-US" altLang="ko-KR" dirty="0" smtClean="0"/>
+          </a:p>
+        </p:txBody>
+      </p:sp>
+      <p:grpSp>
+        <p:nvGrpSpPr>
+          <p:cNvPr id="5" name="그룹 4"/>
+          <p:cNvGrpSpPr/>
+          <p:nvPr/>
+        </p:nvGrpSpPr>
+        <p:grpSpPr>
+          <a:xfrm>
+            <a:off x="4820448" y="3165016"/>
+            <a:ext cx="3785609" cy="3345042"/>
+            <a:chOff x="5148064" y="876046"/>
+            <a:chExt cx="3785609" cy="3345042"/>
+          </a:xfrm>
+        </p:grpSpPr>
+        <p:pic>
+          <p:nvPicPr>
+            <p:cNvPr id="1026" name="Picture 2"/>
+            <p:cNvPicPr>
+              <a:picLocks noChangeAspect="1" noChangeArrowheads="1"/>
+            </p:cNvPicPr>
+            <p:nvPr/>
+          </p:nvPicPr>
+          <p:blipFill>
+            <a:blip r:embed="rId5">
+              <a:extLst>
+                <a:ext uri="{28A0092B-C50C-407E-A947-70E740481C1C}">
+                  <a14:useLocalDpi xmlns:a14="http://schemas.microsoft.com/office/drawing/2010/main" val="0"/>
+                </a:ext>
+              </a:extLst>
+            </a:blip>
+            <a:srcRect/>
+            <a:stretch>
+              <a:fillRect/>
+            </a:stretch>
+          </p:blipFill>
+          <p:spPr bwMode="auto">
+            <a:xfrm>
+              <a:off x="5148064" y="876046"/>
+              <a:ext cx="3785609" cy="3345042"/>
+            </a:xfrm>
+            <a:prstGeom prst="rect">
+              <a:avLst/>
+            </a:prstGeom>
+            <a:noFill/>
+            <a:ln>
+              <a:noFill/>
+            </a:ln>
+            <a:effectLst/>
+            <a:extLst>
+              <a:ext uri="{909E8E84-426E-40DD-AFC4-6F175D3DCCD1}">
+                <a14:hiddenFill xmlns:a14="http://schemas.microsoft.com/office/drawing/2010/main">
+                  <a:solidFill>
+                    <a:schemeClr val="accent1"/>
+                  </a:solidFill>
+                </a14:hiddenFill>
+              </a:ext>
+              <a:ext uri="{91240B29-F687-4F45-9708-019B960494DF}">
+                <a14:hiddenLine xmlns:a14="http://schemas.microsoft.com/office/drawing/2010/main" w="9525">
+                  <a:solidFill>
+                    <a:schemeClr val="tx1"/>
+                  </a:solidFill>
+                  <a:miter lim="800000"/>
+                  <a:headEnd/>
+                  <a:tailEnd/>
+                </a14:hiddenLine>
+              </a:ext>
+              <a:ext uri="{AF507438-7753-43E0-B8FC-AC1667EBCBE1}">
+                <a14:hiddenEffects xmlns:a14="http://schemas.microsoft.com/office/drawing/2010/main">
+                  <a:effectLst>
+                    <a:outerShdw dist="35921" dir="2700000" algn="ctr" rotWithShape="0">
+                      <a:schemeClr val="bg2"/>
+                    </a:outerShdw>
+                  </a:effectLst>
+                </a14:hiddenEffects>
+              </a:ext>
+            </a:extLst>
+          </p:spPr>
+        </p:pic>
+        <p:sp>
+          <p:nvSpPr>
+            <p:cNvPr id="4" name="직사각형 3"/>
+            <p:cNvSpPr/>
+            <p:nvPr/>
+          </p:nvSpPr>
+          <p:spPr>
+            <a:xfrm>
+              <a:off x="7740352" y="900094"/>
+              <a:ext cx="1193321" cy="248698"/>
+            </a:xfrm>
+            <a:prstGeom prst="rect">
+              <a:avLst/>
+            </a:prstGeom>
+            <a:noFill/>
+            <a:ln>
+              <a:solidFill>
+                <a:srgbClr val="FF0000"/>
+              </a:solidFill>
+            </a:ln>
+          </p:spPr>
+          <p:style>
+            <a:lnRef idx="2">
+              <a:schemeClr val="accent1">
+                <a:shade val="50000"/>
+              </a:schemeClr>
+            </a:lnRef>
+            <a:fillRef idx="1">
+              <a:schemeClr val="accent1"/>
+            </a:fillRef>
+            <a:effectRef idx="0">
+              <a:schemeClr val="accent1"/>
+            </a:effectRef>
+            <a:fontRef idx="minor">
+              <a:schemeClr val="lt1"/>
+            </a:fontRef>
+          </p:style>
+          <p:txBody>
+            <a:bodyPr rtlCol="0" anchor="ctr"/>
+            <a:lstStyle/>
+            <a:p>
+              <a:pPr algn="ctr"/>
+              <a:endParaRPr lang="ko-KR" altLang="en-US"/>
+            </a:p>
+          </p:txBody>
+        </p:sp>
+      </p:grpSp>
+      <p:cxnSp>
+        <p:nvCxnSpPr>
+          <p:cNvPr id="7" name="직선 화살표 연결선 6"/>
+          <p:cNvCxnSpPr/>
+          <p:nvPr/>
+        </p:nvCxnSpPr>
+        <p:spPr>
+          <a:xfrm>
+            <a:off x="4644008" y="2132856"/>
+            <a:ext cx="2744567" cy="1156510"/>
+          </a:xfrm>
+          <a:prstGeom prst="straightConnector1">
+            <a:avLst/>
+          </a:prstGeom>
+          <a:ln w="28575">
+            <a:solidFill>
+              <a:srgbClr val="C00000"/>
+            </a:solidFill>
+            <a:tailEnd type="arrow"/>
+          </a:ln>
+        </p:spPr>
+        <p:style>
+          <a:lnRef idx="1">
+            <a:schemeClr val="accent1"/>
+          </a:lnRef>
+          <a:fillRef idx="0">
+            <a:schemeClr val="accent1"/>
+          </a:fillRef>
+          <a:effectRef idx="0">
+            <a:schemeClr val="accent1"/>
+          </a:effectRef>
+          <a:fontRef idx="minor">
+            <a:schemeClr val="tx1"/>
+          </a:fontRef>
+        </p:style>
+      </p:cxnSp>
     </p:spTree>
     <p:extLst>
       <p:ext uri="{BB962C8B-B14F-4D97-AF65-F5344CB8AC3E}">
@@ -3787,62 +3972,55 @@
         </p:nvSpPr>
         <p:spPr/>
         <p:txBody>
-          <a:bodyPr/>
+          <a:bodyPr>
+            <a:normAutofit fontScale="90000"/>
+          </a:bodyPr>
           <a:lstStyle/>
           <a:p>
             <a:r>
               <a:rPr lang="ko-KR" altLang="en-US" dirty="0" smtClean="0"/>
-              <a:t>준비작</a:t>
+              <a:t>준비작업</a:t>
+            </a:r>
+            <a:endParaRPr lang="ko-KR" altLang="en-US" dirty="0"/>
+          </a:p>
+        </p:txBody>
+      </p:sp>
+      <p:sp>
+        <p:nvSpPr>
+          <p:cNvPr id="3" name="내용 개체 틀 2"/>
+          <p:cNvSpPr>
+            <a:spLocks noGrp="1"/>
+          </p:cNvSpPr>
+          <p:nvPr>
+            <p:ph idx="1"/>
+          </p:nvPr>
+        </p:nvSpPr>
+        <p:spPr/>
+        <p:txBody>
+          <a:bodyPr>
+            <a:normAutofit/>
+          </a:bodyPr>
+          <a:lstStyle/>
+          <a:p>
+            <a:r>
+              <a:rPr lang="en-US" altLang="ko-KR" dirty="0" err="1"/>
+              <a:t>TortoiseGit</a:t>
+            </a:r>
+            <a:r>
+              <a:rPr lang="en-US" altLang="ko-KR" dirty="0"/>
+              <a:t> </a:t>
             </a:r>
             <a:r>
               <a:rPr lang="ko-KR" altLang="en-US" dirty="0"/>
-              <a:t>업</a:t>
-            </a:r>
-          </a:p>
-        </p:txBody>
-      </p:sp>
-      <p:sp>
-        <p:nvSpPr>
-          <p:cNvPr id="3" name="내용 개체 틀 2"/>
-          <p:cNvSpPr>
-            <a:spLocks noGrp="1"/>
-          </p:cNvSpPr>
-          <p:nvPr>
-            <p:ph idx="1"/>
-          </p:nvPr>
-        </p:nvSpPr>
-        <p:spPr/>
-        <p:txBody>
-          <a:bodyPr/>
-          <a:lstStyle/>
-          <a:p>
-            <a:r>
-              <a:rPr lang="en-US" altLang="ko-KR" dirty="0" smtClean="0"/>
-              <a:t>Unit test </a:t>
-            </a:r>
-            <a:r>
-              <a:rPr lang="ko-KR" altLang="en-US" dirty="0" smtClean="0"/>
-              <a:t>환경 구축</a:t>
-            </a:r>
-            <a:endParaRPr lang="en-US" altLang="ko-KR" dirty="0" smtClean="0"/>
+              <a:t>설치 </a:t>
+            </a:r>
+            <a:r>
+              <a:rPr lang="en-US" altLang="ko-KR" dirty="0"/>
+              <a:t>: v1.7.11.3</a:t>
+            </a:r>
           </a:p>
           <a:p>
             <a:pPr lvl="1"/>
-            <a:r>
-              <a:rPr lang="en-US" altLang="ko-KR" dirty="0" smtClean="0"/>
-              <a:t>Google test (</a:t>
-            </a:r>
-            <a:r>
-              <a:rPr lang="ko-KR" altLang="en-US" dirty="0" smtClean="0"/>
-              <a:t>현재버전</a:t>
-            </a:r>
-            <a:r>
-              <a:rPr lang="en-US" altLang="ko-KR" dirty="0" smtClean="0"/>
-              <a:t>:1.6.0)</a:t>
-            </a:r>
-          </a:p>
-          <a:p>
-            <a:pPr lvl="2"/>
             <a:r>
               <a:rPr lang="en-US" altLang="ko-KR" dirty="0">
                 <a:hlinkClick r:id="rId2"/>
@@ -3853,35 +4031,184 @@
               <a:rPr lang="en-US" altLang="ko-KR" dirty="0" smtClean="0">
                 <a:hlinkClick r:id="rId2"/>
               </a:rPr>
-              <a:t>code.google.com/p/googletest/downloads/detail?name=gtest-1.6.0.zip</a:t>
-            </a:r>
+              <a:t>code.google.com/p/tortoisegit/downloads/list</a:t>
+            </a:r>
+            <a:endParaRPr lang="en-US" altLang="ko-KR" dirty="0"/>
+          </a:p>
+          <a:p>
+            <a:pPr marL="457200" lvl="1" indent="0">
+              <a:buNone/>
+            </a:pPr>
             <a:endParaRPr lang="en-US" altLang="ko-KR" dirty="0" smtClean="0"/>
           </a:p>
           <a:p>
-            <a:pPr lvl="2"/>
+            <a:r>
+              <a:rPr lang="ko-KR" altLang="en-US" dirty="0" err="1" smtClean="0"/>
+              <a:t>이메일</a:t>
+            </a:r>
             <a:r>
               <a:rPr lang="ko-KR" altLang="en-US" dirty="0" smtClean="0"/>
-              <a:t>컴파일 </a:t>
-            </a:r>
-            <a:r>
-              <a:rPr lang="en-US" altLang="ko-KR" dirty="0" smtClean="0"/>
-              <a:t>(MD</a:t>
-            </a:r>
-            <a:r>
-              <a:rPr lang="ko-KR" altLang="en-US" dirty="0" smtClean="0"/>
-              <a:t>로 링크</a:t>
-            </a:r>
-            <a:r>
-              <a:rPr lang="en-US" altLang="ko-KR" dirty="0" smtClean="0"/>
-              <a:t>)</a:t>
-            </a:r>
+              <a:t> 등록</a:t>
+            </a:r>
+            <a:endParaRPr lang="ko-KR" altLang="en-US" dirty="0"/>
+          </a:p>
+        </p:txBody>
+      </p:sp>
+      <p:pic>
+        <p:nvPicPr>
+          <p:cNvPr id="2050" name="Picture 2" descr="http://cfile7.uf.tistory.com/image/14186A3F4F6E065B06AF61"/>
+          <p:cNvPicPr>
+            <a:picLocks noChangeAspect="1" noChangeArrowheads="1"/>
+          </p:cNvPicPr>
+          <p:nvPr/>
+        </p:nvPicPr>
+        <p:blipFill>
+          <a:blip r:embed="rId3">
+            <a:extLst>
+              <a:ext uri="{28A0092B-C50C-407E-A947-70E740481C1C}">
+                <a14:useLocalDpi xmlns:a14="http://schemas.microsoft.com/office/drawing/2010/main" val="0"/>
+              </a:ext>
+            </a:extLst>
+          </a:blip>
+          <a:srcRect/>
+          <a:stretch>
+            <a:fillRect/>
+          </a:stretch>
+        </p:blipFill>
+        <p:spPr bwMode="auto">
+          <a:xfrm>
+            <a:off x="192726" y="2420888"/>
+            <a:ext cx="2690405" cy="2561368"/>
+          </a:xfrm>
+          <a:prstGeom prst="rect">
+            <a:avLst/>
+          </a:prstGeom>
+          <a:noFill/>
+          <a:extLst>
+            <a:ext uri="{909E8E84-426E-40DD-AFC4-6F175D3DCCD1}">
+              <a14:hiddenFill xmlns:a14="http://schemas.microsoft.com/office/drawing/2010/main">
+                <a:solidFill>
+                  <a:srgbClr val="FFFFFF"/>
+                </a:solidFill>
+              </a14:hiddenFill>
+            </a:ext>
+          </a:extLst>
+        </p:spPr>
+      </p:pic>
+      <p:pic>
+        <p:nvPicPr>
+          <p:cNvPr id="2055" name="Picture 7"/>
+          <p:cNvPicPr>
+            <a:picLocks noChangeAspect="1" noChangeArrowheads="1"/>
+          </p:cNvPicPr>
+          <p:nvPr/>
+        </p:nvPicPr>
+        <p:blipFill>
+          <a:blip r:embed="rId4">
+            <a:extLst>
+              <a:ext uri="{28A0092B-C50C-407E-A947-70E740481C1C}">
+                <a14:useLocalDpi xmlns:a14="http://schemas.microsoft.com/office/drawing/2010/main" val="0"/>
+              </a:ext>
+            </a:extLst>
+          </a:blip>
+          <a:srcRect/>
+          <a:stretch>
+            <a:fillRect/>
+          </a:stretch>
+        </p:blipFill>
+        <p:spPr bwMode="auto">
+          <a:xfrm>
+            <a:off x="3064332" y="2492896"/>
+            <a:ext cx="5828148" cy="3240360"/>
+          </a:xfrm>
+          <a:prstGeom prst="rect">
+            <a:avLst/>
+          </a:prstGeom>
+          <a:noFill/>
+          <a:ln>
+            <a:noFill/>
+          </a:ln>
+          <a:effectLst/>
+          <a:extLst>
+            <a:ext uri="{909E8E84-426E-40DD-AFC4-6F175D3DCCD1}">
+              <a14:hiddenFill xmlns:a14="http://schemas.microsoft.com/office/drawing/2010/main">
+                <a:solidFill>
+                  <a:schemeClr val="accent1"/>
+                </a:solidFill>
+              </a14:hiddenFill>
+            </a:ext>
+            <a:ext uri="{91240B29-F687-4F45-9708-019B960494DF}">
+              <a14:hiddenLine xmlns:a14="http://schemas.microsoft.com/office/drawing/2010/main" w="9525">
+                <a:solidFill>
+                  <a:schemeClr val="tx1"/>
+                </a:solidFill>
+                <a:miter lim="800000"/>
+                <a:headEnd/>
+                <a:tailEnd/>
+              </a14:hiddenLine>
+            </a:ext>
+            <a:ext uri="{AF507438-7753-43E0-B8FC-AC1667EBCBE1}">
+              <a14:hiddenEffects xmlns:a14="http://schemas.microsoft.com/office/drawing/2010/main">
+                <a:effectLst>
+                  <a:outerShdw dist="35921" dir="2700000" algn="ctr" rotWithShape="0">
+                    <a:schemeClr val="bg2"/>
+                  </a:outerShdw>
+                </a:effectLst>
+              </a14:hiddenEffects>
+            </a:ext>
+          </a:extLst>
+        </p:spPr>
+      </p:pic>
+      <p:sp>
+        <p:nvSpPr>
+          <p:cNvPr id="6" name="직사각형 5"/>
+          <p:cNvSpPr/>
+          <p:nvPr/>
+        </p:nvSpPr>
+        <p:spPr>
+          <a:xfrm>
+            <a:off x="4828528" y="3140968"/>
+            <a:ext cx="3852428" cy="792088"/>
+          </a:xfrm>
+          <a:prstGeom prst="rect">
+            <a:avLst/>
+          </a:prstGeom>
+          <a:noFill/>
+          <a:ln>
+            <a:solidFill>
+              <a:srgbClr val="FF0000"/>
+            </a:solidFill>
+          </a:ln>
+        </p:spPr>
+        <p:style>
+          <a:lnRef idx="2">
+            <a:schemeClr val="accent1">
+              <a:shade val="50000"/>
+            </a:schemeClr>
+          </a:lnRef>
+          <a:fillRef idx="1">
+            <a:schemeClr val="accent1"/>
+          </a:fillRef>
+          <a:effectRef idx="0">
+            <a:schemeClr val="accent1"/>
+          </a:effectRef>
+          <a:fontRef idx="minor">
+            <a:schemeClr val="lt1"/>
+          </a:fontRef>
+        </p:style>
+        <p:txBody>
+          <a:bodyPr rtlCol="0" anchor="ctr"/>
+          <a:lstStyle/>
+          <a:p>
+            <a:pPr algn="ctr"/>
+            <a:endParaRPr lang="ko-KR" altLang="en-US"/>
           </a:p>
         </p:txBody>
       </p:sp>
     </p:spTree>
     <p:extLst>
       <p:ext uri="{BB962C8B-B14F-4D97-AF65-F5344CB8AC3E}">
-        <p14:creationId xmlns:p14="http://schemas.microsoft.com/office/powerpoint/2010/main" val="2098826070"/>
+        <p14:creationId xmlns:p14="http://schemas.microsoft.com/office/powerpoint/2010/main" val="1016058516"/>
       </p:ext>
     </p:extLst>
   </p:cSld>
@@ -3920,7 +4247,418 @@
         </p:nvSpPr>
         <p:spPr/>
         <p:txBody>
+          <a:bodyPr>
+            <a:normAutofit fontScale="90000"/>
+          </a:bodyPr>
+          <a:lstStyle/>
+          <a:p>
+            <a:r>
+              <a:rPr lang="ko-KR" altLang="en-US" dirty="0" smtClean="0"/>
+              <a:t>준비작업</a:t>
+            </a:r>
+            <a:endParaRPr lang="ko-KR" altLang="en-US" dirty="0"/>
+          </a:p>
+        </p:txBody>
+      </p:sp>
+      <p:sp>
+        <p:nvSpPr>
+          <p:cNvPr id="3" name="내용 개체 틀 2"/>
+          <p:cNvSpPr>
+            <a:spLocks noGrp="1"/>
+          </p:cNvSpPr>
+          <p:nvPr>
+            <p:ph idx="1"/>
+          </p:nvPr>
+        </p:nvSpPr>
+        <p:spPr/>
+        <p:txBody>
           <a:bodyPr/>
+          <a:lstStyle/>
+          <a:p>
+            <a:r>
+              <a:rPr lang="ko-KR" altLang="en-US" dirty="0" smtClean="0"/>
+              <a:t>로컬 저장소 생성 </a:t>
+            </a:r>
+            <a:r>
+              <a:rPr lang="en-US" altLang="ko-KR" dirty="0" smtClean="0"/>
+              <a:t>&gt; Commit &gt; Push</a:t>
+            </a:r>
+            <a:endParaRPr lang="ko-KR" altLang="en-US" dirty="0"/>
+          </a:p>
+        </p:txBody>
+      </p:sp>
+      <p:pic>
+        <p:nvPicPr>
+          <p:cNvPr id="3076" name="Picture 4"/>
+          <p:cNvPicPr>
+            <a:picLocks noChangeAspect="1" noChangeArrowheads="1"/>
+          </p:cNvPicPr>
+          <p:nvPr/>
+        </p:nvPicPr>
+        <p:blipFill>
+          <a:blip r:embed="rId2">
+            <a:extLst>
+              <a:ext uri="{28A0092B-C50C-407E-A947-70E740481C1C}">
+                <a14:useLocalDpi xmlns:a14="http://schemas.microsoft.com/office/drawing/2010/main" val="0"/>
+              </a:ext>
+            </a:extLst>
+          </a:blip>
+          <a:srcRect/>
+          <a:stretch>
+            <a:fillRect/>
+          </a:stretch>
+        </p:blipFill>
+        <p:spPr bwMode="auto">
+          <a:xfrm>
+            <a:off x="1187624" y="1340768"/>
+            <a:ext cx="6853016" cy="5112568"/>
+          </a:xfrm>
+          <a:prstGeom prst="rect">
+            <a:avLst/>
+          </a:prstGeom>
+          <a:noFill/>
+          <a:ln>
+            <a:noFill/>
+          </a:ln>
+          <a:effectLst/>
+          <a:extLst>
+            <a:ext uri="{909E8E84-426E-40DD-AFC4-6F175D3DCCD1}">
+              <a14:hiddenFill xmlns:a14="http://schemas.microsoft.com/office/drawing/2010/main">
+                <a:solidFill>
+                  <a:schemeClr val="accent1"/>
+                </a:solidFill>
+              </a14:hiddenFill>
+            </a:ext>
+            <a:ext uri="{91240B29-F687-4F45-9708-019B960494DF}">
+              <a14:hiddenLine xmlns:a14="http://schemas.microsoft.com/office/drawing/2010/main" w="9525">
+                <a:solidFill>
+                  <a:schemeClr val="tx1"/>
+                </a:solidFill>
+                <a:miter lim="800000"/>
+                <a:headEnd/>
+                <a:tailEnd/>
+              </a14:hiddenLine>
+            </a:ext>
+            <a:ext uri="{AF507438-7753-43E0-B8FC-AC1667EBCBE1}">
+              <a14:hiddenEffects xmlns:a14="http://schemas.microsoft.com/office/drawing/2010/main">
+                <a:effectLst>
+                  <a:outerShdw dist="35921" dir="2700000" algn="ctr" rotWithShape="0">
+                    <a:schemeClr val="bg2"/>
+                  </a:outerShdw>
+                </a:effectLst>
+              </a14:hiddenEffects>
+            </a:ext>
+          </a:extLst>
+        </p:spPr>
+      </p:pic>
+      <p:sp>
+        <p:nvSpPr>
+          <p:cNvPr id="7" name="직사각형 6"/>
+          <p:cNvSpPr/>
+          <p:nvPr/>
+        </p:nvSpPr>
+        <p:spPr>
+          <a:xfrm>
+            <a:off x="3563888" y="4923166"/>
+            <a:ext cx="1944216" cy="162018"/>
+          </a:xfrm>
+          <a:prstGeom prst="rect">
+            <a:avLst/>
+          </a:prstGeom>
+          <a:noFill/>
+          <a:ln>
+            <a:solidFill>
+              <a:srgbClr val="FF0000"/>
+            </a:solidFill>
+          </a:ln>
+        </p:spPr>
+        <p:style>
+          <a:lnRef idx="2">
+            <a:schemeClr val="accent1">
+              <a:shade val="50000"/>
+            </a:schemeClr>
+          </a:lnRef>
+          <a:fillRef idx="1">
+            <a:schemeClr val="accent1"/>
+          </a:fillRef>
+          <a:effectRef idx="0">
+            <a:schemeClr val="accent1"/>
+          </a:effectRef>
+          <a:fontRef idx="minor">
+            <a:schemeClr val="lt1"/>
+          </a:fontRef>
+        </p:style>
+        <p:txBody>
+          <a:bodyPr rtlCol="0" anchor="ctr"/>
+          <a:lstStyle/>
+          <a:p>
+            <a:pPr algn="ctr"/>
+            <a:endParaRPr lang="ko-KR" altLang="en-US"/>
+          </a:p>
+        </p:txBody>
+      </p:sp>
+      <p:pic>
+        <p:nvPicPr>
+          <p:cNvPr id="3078" name="Picture 6" descr="http://cfile27.uf.tistory.com/image/120C0A424F6E0AD0100A5D"/>
+          <p:cNvPicPr>
+            <a:picLocks noChangeAspect="1" noChangeArrowheads="1"/>
+          </p:cNvPicPr>
+          <p:nvPr/>
+        </p:nvPicPr>
+        <p:blipFill>
+          <a:blip r:embed="rId3">
+            <a:extLst>
+              <a:ext uri="{28A0092B-C50C-407E-A947-70E740481C1C}">
+                <a14:useLocalDpi xmlns:a14="http://schemas.microsoft.com/office/drawing/2010/main" val="0"/>
+              </a:ext>
+            </a:extLst>
+          </a:blip>
+          <a:srcRect/>
+          <a:stretch>
+            <a:fillRect/>
+          </a:stretch>
+        </p:blipFill>
+        <p:spPr bwMode="auto">
+          <a:xfrm>
+            <a:off x="5940152" y="4542322"/>
+            <a:ext cx="3055739" cy="2055030"/>
+          </a:xfrm>
+          <a:prstGeom prst="rect">
+            <a:avLst/>
+          </a:prstGeom>
+          <a:noFill/>
+          <a:extLst>
+            <a:ext uri="{909E8E84-426E-40DD-AFC4-6F175D3DCCD1}">
+              <a14:hiddenFill xmlns:a14="http://schemas.microsoft.com/office/drawing/2010/main">
+                <a:solidFill>
+                  <a:srgbClr val="FFFFFF"/>
+                </a:solidFill>
+              </a14:hiddenFill>
+            </a:ext>
+          </a:extLst>
+        </p:spPr>
+      </p:pic>
+      <p:pic>
+        <p:nvPicPr>
+          <p:cNvPr id="3074" name="Picture 2" descr="http://cfile10.uf.tistory.com/image/12278B454F6E085003CA02"/>
+          <p:cNvPicPr>
+            <a:picLocks noChangeAspect="1" noChangeArrowheads="1"/>
+          </p:cNvPicPr>
+          <p:nvPr/>
+        </p:nvPicPr>
+        <p:blipFill>
+          <a:blip r:embed="rId4">
+            <a:extLst>
+              <a:ext uri="{28A0092B-C50C-407E-A947-70E740481C1C}">
+                <a14:useLocalDpi xmlns:a14="http://schemas.microsoft.com/office/drawing/2010/main" val="0"/>
+              </a:ext>
+            </a:extLst>
+          </a:blip>
+          <a:srcRect/>
+          <a:stretch>
+            <a:fillRect/>
+          </a:stretch>
+        </p:blipFill>
+        <p:spPr bwMode="auto">
+          <a:xfrm>
+            <a:off x="395536" y="1772816"/>
+            <a:ext cx="1725535" cy="2952328"/>
+          </a:xfrm>
+          <a:prstGeom prst="rect">
+            <a:avLst/>
+          </a:prstGeom>
+          <a:noFill/>
+          <a:extLst>
+            <a:ext uri="{909E8E84-426E-40DD-AFC4-6F175D3DCCD1}">
+              <a14:hiddenFill xmlns:a14="http://schemas.microsoft.com/office/drawing/2010/main">
+                <a:solidFill>
+                  <a:srgbClr val="FFFFFF"/>
+                </a:solidFill>
+              </a14:hiddenFill>
+            </a:ext>
+          </a:extLst>
+        </p:spPr>
+      </p:pic>
+    </p:spTree>
+    <p:extLst>
+      <p:ext uri="{BB962C8B-B14F-4D97-AF65-F5344CB8AC3E}">
+        <p14:creationId xmlns:p14="http://schemas.microsoft.com/office/powerpoint/2010/main" val="3284725580"/>
+      </p:ext>
+    </p:extLst>
+  </p:cSld>
+  <p:clrMapOvr>
+    <a:masterClrMapping/>
+  </p:clrMapOvr>
+</p:sld>
+</file>
+
+<file path=ppt/slides/slide5.xml><?xml version="1.0" encoding="utf-8"?>
+<p:sld xmlns:a="http://schemas.openxmlformats.org/drawingml/2006/main" xmlns:r="http://schemas.openxmlformats.org/officeDocument/2006/relationships" xmlns:p="http://schemas.openxmlformats.org/presentationml/2006/main">
+  <p:cSld>
+    <p:spTree>
+      <p:nvGrpSpPr>
+        <p:cNvPr id="1" name=""/>
+        <p:cNvGrpSpPr/>
+        <p:nvPr/>
+      </p:nvGrpSpPr>
+      <p:grpSpPr>
+        <a:xfrm>
+          <a:off x="0" y="0"/>
+          <a:ext cx="0" cy="0"/>
+          <a:chOff x="0" y="0"/>
+          <a:chExt cx="0" cy="0"/>
+        </a:xfrm>
+      </p:grpSpPr>
+      <p:sp>
+        <p:nvSpPr>
+          <p:cNvPr id="2" name="제목 1"/>
+          <p:cNvSpPr>
+            <a:spLocks noGrp="1"/>
+          </p:cNvSpPr>
+          <p:nvPr>
+            <p:ph type="title"/>
+          </p:nvPr>
+        </p:nvSpPr>
+        <p:spPr/>
+        <p:txBody>
+          <a:bodyPr>
+            <a:normAutofit fontScale="90000"/>
+          </a:bodyPr>
+          <a:lstStyle/>
+          <a:p>
+            <a:r>
+              <a:rPr lang="ko-KR" altLang="en-US" dirty="0" smtClean="0"/>
+              <a:t>준비작</a:t>
+            </a:r>
+            <a:r>
+              <a:rPr lang="ko-KR" altLang="en-US" dirty="0"/>
+              <a:t>업</a:t>
+            </a:r>
+          </a:p>
+        </p:txBody>
+      </p:sp>
+      <p:sp>
+        <p:nvSpPr>
+          <p:cNvPr id="3" name="내용 개체 틀 2"/>
+          <p:cNvSpPr>
+            <a:spLocks noGrp="1"/>
+          </p:cNvSpPr>
+          <p:nvPr>
+            <p:ph idx="1"/>
+          </p:nvPr>
+        </p:nvSpPr>
+        <p:spPr/>
+        <p:txBody>
+          <a:bodyPr/>
+          <a:lstStyle/>
+          <a:p>
+            <a:r>
+              <a:rPr lang="en-US" altLang="ko-KR" dirty="0" smtClean="0"/>
+              <a:t>Unit test </a:t>
+            </a:r>
+            <a:r>
+              <a:rPr lang="ko-KR" altLang="en-US" dirty="0" smtClean="0"/>
+              <a:t>환경 구축</a:t>
+            </a:r>
+            <a:endParaRPr lang="en-US" altLang="ko-KR" dirty="0" smtClean="0"/>
+          </a:p>
+          <a:p>
+            <a:pPr lvl="1"/>
+            <a:r>
+              <a:rPr lang="en-US" altLang="ko-KR" dirty="0" smtClean="0"/>
+              <a:t>Google test (</a:t>
+            </a:r>
+            <a:r>
+              <a:rPr lang="ko-KR" altLang="en-US" dirty="0" smtClean="0"/>
+              <a:t>현재버전</a:t>
+            </a:r>
+            <a:r>
+              <a:rPr lang="en-US" altLang="ko-KR" dirty="0" smtClean="0"/>
+              <a:t>:1.6.0)</a:t>
+            </a:r>
+          </a:p>
+          <a:p>
+            <a:pPr lvl="2"/>
+            <a:r>
+              <a:rPr lang="en-US" altLang="ko-KR" dirty="0">
+                <a:hlinkClick r:id="rId2"/>
+              </a:rPr>
+              <a:t>http://</a:t>
+            </a:r>
+            <a:r>
+              <a:rPr lang="en-US" altLang="ko-KR" dirty="0" smtClean="0">
+                <a:hlinkClick r:id="rId2"/>
+              </a:rPr>
+              <a:t>code.google.com/p/googletest/downloads/detail?name=gtest-1.6.0.zip</a:t>
+            </a:r>
+            <a:endParaRPr lang="en-US" altLang="ko-KR" dirty="0" smtClean="0"/>
+          </a:p>
+          <a:p>
+            <a:pPr lvl="2"/>
+            <a:r>
+              <a:rPr lang="ko-KR" altLang="en-US" dirty="0" smtClean="0"/>
+              <a:t>컴파일 </a:t>
+            </a:r>
+            <a:r>
+              <a:rPr lang="en-US" altLang="ko-KR" dirty="0" smtClean="0"/>
+              <a:t>(MD</a:t>
+            </a:r>
+            <a:r>
+              <a:rPr lang="ko-KR" altLang="en-US" dirty="0" smtClean="0"/>
+              <a:t>로 링크</a:t>
+            </a:r>
+            <a:r>
+              <a:rPr lang="en-US" altLang="ko-KR" dirty="0" smtClean="0"/>
+              <a:t>)</a:t>
+            </a:r>
+          </a:p>
+        </p:txBody>
+      </p:sp>
+    </p:spTree>
+    <p:extLst>
+      <p:ext uri="{BB962C8B-B14F-4D97-AF65-F5344CB8AC3E}">
+        <p14:creationId xmlns:p14="http://schemas.microsoft.com/office/powerpoint/2010/main" val="2098826070"/>
+      </p:ext>
+    </p:extLst>
+  </p:cSld>
+  <p:clrMapOvr>
+    <a:masterClrMapping/>
+  </p:clrMapOvr>
+</p:sld>
+</file>
+
+<file path=ppt/slides/slide6.xml><?xml version="1.0" encoding="utf-8"?>
+<p:sld xmlns:a="http://schemas.openxmlformats.org/drawingml/2006/main" xmlns:r="http://schemas.openxmlformats.org/officeDocument/2006/relationships" xmlns:p="http://schemas.openxmlformats.org/presentationml/2006/main">
+  <p:cSld>
+    <p:spTree>
+      <p:nvGrpSpPr>
+        <p:cNvPr id="1" name=""/>
+        <p:cNvGrpSpPr/>
+        <p:nvPr/>
+      </p:nvGrpSpPr>
+      <p:grpSpPr>
+        <a:xfrm>
+          <a:off x="0" y="0"/>
+          <a:ext cx="0" cy="0"/>
+          <a:chOff x="0" y="0"/>
+          <a:chExt cx="0" cy="0"/>
+        </a:xfrm>
+      </p:grpSpPr>
+      <p:sp>
+        <p:nvSpPr>
+          <p:cNvPr id="2" name="제목 1"/>
+          <p:cNvSpPr>
+            <a:spLocks noGrp="1"/>
+          </p:cNvSpPr>
+          <p:nvPr>
+            <p:ph type="title"/>
+          </p:nvPr>
+        </p:nvSpPr>
+        <p:spPr/>
+        <p:txBody>
+          <a:bodyPr>
+            <a:normAutofit fontScale="90000"/>
+          </a:bodyPr>
           <a:lstStyle/>
           <a:p>
             <a:r>
@@ -3948,7 +4686,7 @@
         <p:spPr/>
         <p:txBody>
           <a:bodyPr>
-            <a:normAutofit fontScale="62500" lnSpcReduction="20000"/>
+            <a:normAutofit/>
           </a:bodyPr>
           <a:lstStyle/>
           <a:p>
